--- a/papers/nappn_2024/2024-NAPPN-jsumner-lightning.pptx
+++ b/papers/nappn_2024/2024-NAPPN-jsumner-lightning.pptx
@@ -295,7 +295,7 @@
             <a:pPr algn="r">
               <a:buNone/>
             </a:pPr>
-            <a:fld id="{67F6E452-9DE4-41DD-811C-0A58E2E13740}" type="slidenum">
+            <a:fld id="{9080E463-979A-4048-8A49-A41BF39E4BDB}" type="slidenum">
               <a:rPr b="0" lang="en-US" sz="1400" spc="-1" strike="noStrike">
                 <a:latin typeface="Times New Roman"/>
               </a:rPr>
@@ -332,7 +332,7 @@
       </p:grpSpPr>
       <p:sp>
         <p:nvSpPr>
-          <p:cNvPr id="109" name="PlaceHolder 1"/>
+          <p:cNvPr id="112" name="PlaceHolder 1"/>
           <p:cNvSpPr>
             <a:spLocks noGrp="1"/>
           </p:cNvSpPr>
@@ -343,19 +343,19 @@
         <p:spPr>
           <a:xfrm>
             <a:off x="717480" y="1162080"/>
-            <a:ext cx="5574600" cy="3136320"/>
-          </a:xfrm>
-          <a:prstGeom prst="rect">
-            <a:avLst/>
-          </a:prstGeom>
-          <a:ln w="0">
-            <a:noFill/>
-          </a:ln>
-        </p:spPr>
-      </p:sp>
-      <p:sp>
-        <p:nvSpPr>
-          <p:cNvPr id="110" name="PlaceHolder 2"/>
+            <a:ext cx="5573880" cy="3135600"/>
+          </a:xfrm>
+          <a:prstGeom prst="rect">
+            <a:avLst/>
+          </a:prstGeom>
+          <a:ln w="0">
+            <a:noFill/>
+          </a:ln>
+        </p:spPr>
+      </p:sp>
+      <p:sp>
+        <p:nvSpPr>
+          <p:cNvPr id="113" name="PlaceHolder 2"/>
           <p:cNvSpPr>
             <a:spLocks noGrp="1"/>
           </p:cNvSpPr>
@@ -366,7 +366,7 @@
         <p:spPr>
           <a:xfrm>
             <a:off x="700920" y="4473720"/>
-            <a:ext cx="5607720" cy="3659760"/>
+            <a:ext cx="5607000" cy="3659040"/>
           </a:xfrm>
           <a:prstGeom prst="rect">
             <a:avLst/>
@@ -389,7 +389,7 @@
       </p:sp>
       <p:sp>
         <p:nvSpPr>
-          <p:cNvPr id="111" name="PlaceHolder 3"/>
+          <p:cNvPr id="114" name="PlaceHolder 3"/>
           <p:cNvSpPr>
             <a:spLocks noGrp="1"/>
           </p:cNvSpPr>
@@ -400,7 +400,7 @@
         <p:spPr>
           <a:xfrm>
             <a:off x="3970800" y="8830080"/>
-            <a:ext cx="3036960" cy="465840"/>
+            <a:ext cx="3036240" cy="465120"/>
           </a:xfrm>
           <a:prstGeom prst="rect">
             <a:avLst/>
@@ -432,7 +432,7 @@
               </a:lnSpc>
               <a:buNone/>
             </a:pPr>
-            <a:fld id="{043D129B-3466-4379-A9EB-9BD5B7168CAB}" type="slidenum">
+            <a:fld id="{0C839443-09E2-4896-8DD0-86FA30E655BC}" type="slidenum">
               <a:rPr b="0" lang="en-US" sz="1200" spc="-1" strike="noStrike">
                 <a:latin typeface="Times New Roman"/>
               </a:rPr>
@@ -500,7 +500,7 @@
         <p:txBody>
           <a:bodyPr/>
           <a:p>
-            <a:fld id="{5EB423B2-BC99-4021-8A14-44E006F77414}" type="slidenum">
+            <a:fld id="{E8F2A6D1-9093-469F-9A3B-9478ABD9E754}" type="slidenum">
               <a:t>&lt;#&gt;</a:t>
             </a:fld>
           </a:p>
@@ -688,7 +688,7 @@
         <p:txBody>
           <a:bodyPr/>
           <a:p>
-            <a:fld id="{48BFC6BE-FCC3-477A-9836-7893460FBFB8}" type="slidenum">
+            <a:fld id="{71D805BA-3604-4EDB-AA09-8F66A9263E8C}" type="slidenum">
               <a:t>&lt;#&gt;</a:t>
             </a:fld>
           </a:p>
@@ -944,7 +944,7 @@
         <p:txBody>
           <a:bodyPr/>
           <a:p>
-            <a:fld id="{EA5198DD-E8F4-4FE8-8A11-2A7BBF6358EB}" type="slidenum">
+            <a:fld id="{57E9CDF1-6B03-4809-AE57-0713FD147100}" type="slidenum">
               <a:t>&lt;#&gt;</a:t>
             </a:fld>
           </a:p>
@@ -1268,7 +1268,7 @@
         <p:txBody>
           <a:bodyPr/>
           <a:p>
-            <a:fld id="{8E835E8E-6E16-4D98-9AD6-2B03C348B9F2}" type="slidenum">
+            <a:fld id="{4F86488B-94F7-46F7-8EBD-CBA6CBA7F2E5}" type="slidenum">
               <a:t>&lt;#&gt;</a:t>
             </a:fld>
           </a:p>
@@ -1351,7 +1351,7 @@
         <p:txBody>
           <a:bodyPr/>
           <a:p>
-            <a:fld id="{4E515A1A-45A9-4685-8D3C-644E1300F114}" type="slidenum">
+            <a:fld id="{3B2ED96D-8C74-49B6-8005-085204EBE968}" type="slidenum">
               <a:t>&lt;#&gt;</a:t>
             </a:fld>
           </a:p>
@@ -1508,7 +1508,7 @@
         <p:txBody>
           <a:bodyPr/>
           <a:p>
-            <a:fld id="{17E2ED75-6F26-43E6-9602-05094DD16808}" type="slidenum">
+            <a:fld id="{87676E42-5CBA-412C-AC3D-EE1CBA414FCB}" type="slidenum">
               <a:t>&lt;#&gt;</a:t>
             </a:fld>
           </a:p>
@@ -1662,7 +1662,7 @@
         <p:txBody>
           <a:bodyPr/>
           <a:p>
-            <a:fld id="{68824ACF-4859-404B-B5B5-6EF85F11A1B9}" type="slidenum">
+            <a:fld id="{5077A6CA-80DA-4C71-B373-B669F2E0E39B}" type="slidenum">
               <a:t>&lt;#&gt;</a:t>
             </a:fld>
           </a:p>
@@ -1850,7 +1850,7 @@
         <p:txBody>
           <a:bodyPr/>
           <a:p>
-            <a:fld id="{9F9D87EF-3699-474A-9FB3-B84C4CE81D52}" type="slidenum">
+            <a:fld id="{67830EB0-28B8-437B-A4E9-E72D787A61E7}" type="slidenum">
               <a:t>&lt;#&gt;</a:t>
             </a:fld>
           </a:p>
@@ -1970,7 +1970,7 @@
         <p:txBody>
           <a:bodyPr/>
           <a:p>
-            <a:fld id="{941D5EE7-905F-42CE-B4F3-530920D82A32}" type="slidenum">
+            <a:fld id="{A07E054C-85A3-4E5E-AF3D-25B13AD09E2A}" type="slidenum">
               <a:t>&lt;#&gt;</a:t>
             </a:fld>
           </a:p>
@@ -2090,7 +2090,7 @@
         <p:txBody>
           <a:bodyPr/>
           <a:p>
-            <a:fld id="{881EB7BB-2820-4BD8-8ADC-A85EA0FEB677}" type="slidenum">
+            <a:fld id="{C2EBE29F-D70B-46A8-952D-11DFB8B8E19A}" type="slidenum">
               <a:t>&lt;#&gt;</a:t>
             </a:fld>
           </a:p>
@@ -2312,7 +2312,7 @@
         <p:txBody>
           <a:bodyPr/>
           <a:p>
-            <a:fld id="{C10B6410-6027-48C2-A967-9B844EE1680C}" type="slidenum">
+            <a:fld id="{62CA395B-0252-4772-B19F-5413EE536336}" type="slidenum">
               <a:t>&lt;#&gt;</a:t>
             </a:fld>
           </a:p>
@@ -2469,7 +2469,7 @@
         <p:txBody>
           <a:bodyPr/>
           <a:p>
-            <a:fld id="{2E9B541E-D6AE-4375-A0AE-D95CDA6D0B34}" type="slidenum">
+            <a:fld id="{69C04ABB-8D41-438F-9F3F-10C07F443ADF}" type="slidenum">
               <a:t>&lt;#&gt;</a:t>
             </a:fld>
           </a:p>
@@ -2691,7 +2691,7 @@
         <p:txBody>
           <a:bodyPr/>
           <a:p>
-            <a:fld id="{003B0EA2-C862-4454-8CCD-BC8831551FA1}" type="slidenum">
+            <a:fld id="{7E9F38D4-F291-4337-A5B8-F701DE928813}" type="slidenum">
               <a:t>&lt;#&gt;</a:t>
             </a:fld>
           </a:p>
@@ -2913,7 +2913,7 @@
         <p:txBody>
           <a:bodyPr/>
           <a:p>
-            <a:fld id="{6FFDB66C-4025-4935-AC03-02144B02BD2B}" type="slidenum">
+            <a:fld id="{3BCBBF2E-4722-498A-AEC7-9E8CD8D55D09}" type="slidenum">
               <a:t>&lt;#&gt;</a:t>
             </a:fld>
           </a:p>
@@ -3101,7 +3101,7 @@
         <p:txBody>
           <a:bodyPr/>
           <a:p>
-            <a:fld id="{20EED591-5345-45A7-979E-9A0B12A33C57}" type="slidenum">
+            <a:fld id="{96D62025-0F04-41F7-AC8D-12125CFBD2C4}" type="slidenum">
               <a:t>&lt;#&gt;</a:t>
             </a:fld>
           </a:p>
@@ -3357,7 +3357,7 @@
         <p:txBody>
           <a:bodyPr/>
           <a:p>
-            <a:fld id="{1777922E-7CA2-4ACA-8FE0-0DF1983D90E7}" type="slidenum">
+            <a:fld id="{3BAD33B5-6675-4C14-A5E4-139C54F15F63}" type="slidenum">
               <a:t>&lt;#&gt;</a:t>
             </a:fld>
           </a:p>
@@ -3681,7 +3681,7 @@
         <p:txBody>
           <a:bodyPr/>
           <a:p>
-            <a:fld id="{018073AE-2BCD-41C8-8105-839D915F8D05}" type="slidenum">
+            <a:fld id="{BA113D43-D4E9-4119-A6DB-9E76B1E203C4}" type="slidenum">
               <a:t>&lt;#&gt;</a:t>
             </a:fld>
           </a:p>
@@ -3835,7 +3835,7 @@
         <p:txBody>
           <a:bodyPr/>
           <a:p>
-            <a:fld id="{2DA05AEA-12FF-4880-B983-D9FBF62470B1}" type="slidenum">
+            <a:fld id="{BBC3895F-5DA9-4DBC-9200-27C764F1B012}" type="slidenum">
               <a:t>&lt;#&gt;</a:t>
             </a:fld>
           </a:p>
@@ -4023,7 +4023,7 @@
         <p:txBody>
           <a:bodyPr/>
           <a:p>
-            <a:fld id="{186DD2ED-2FBE-4EE4-8B0C-9D901C810571}" type="slidenum">
+            <a:fld id="{B1B33E61-9CD0-44B5-BE6D-2EEE5BBF90C7}" type="slidenum">
               <a:t>&lt;#&gt;</a:t>
             </a:fld>
           </a:p>
@@ -4143,7 +4143,7 @@
         <p:txBody>
           <a:bodyPr/>
           <a:p>
-            <a:fld id="{A570DBB4-BA0F-4674-9A8E-36AF1DB1F522}" type="slidenum">
+            <a:fld id="{02D7699B-9FC8-44D5-9E2A-B05DCE9E529F}" type="slidenum">
               <a:t>&lt;#&gt;</a:t>
             </a:fld>
           </a:p>
@@ -4263,7 +4263,7 @@
         <p:txBody>
           <a:bodyPr/>
           <a:p>
-            <a:fld id="{D5E44C79-99AC-4398-B072-000D2FE49402}" type="slidenum">
+            <a:fld id="{D791D75B-9F29-452F-A4C7-5AD25A1ECDA7}" type="slidenum">
               <a:t>&lt;#&gt;</a:t>
             </a:fld>
           </a:p>
@@ -4485,7 +4485,7 @@
         <p:txBody>
           <a:bodyPr/>
           <a:p>
-            <a:fld id="{FCAB4F5A-A5F9-484E-9AF8-3D744833BBD7}" type="slidenum">
+            <a:fld id="{8AFA2C32-0600-41AF-A177-735E4741F194}" type="slidenum">
               <a:t>&lt;#&gt;</a:t>
             </a:fld>
           </a:p>
@@ -4707,7 +4707,7 @@
         <p:txBody>
           <a:bodyPr/>
           <a:p>
-            <a:fld id="{4F988D59-508B-4E58-8A77-6685A1947ACD}" type="slidenum">
+            <a:fld id="{644CBA5F-5C27-4ADD-B403-9D4483B7A49F}" type="slidenum">
               <a:t>&lt;#&gt;</a:t>
             </a:fld>
           </a:p>
@@ -4929,7 +4929,7 @@
         <p:txBody>
           <a:bodyPr/>
           <a:p>
-            <a:fld id="{511F2337-24AE-4732-A9E4-32C20B9399FC}" type="slidenum">
+            <a:fld id="{E9584419-6D19-4794-B0E9-B75FD147D6EC}" type="slidenum">
               <a:t>&lt;#&gt;</a:t>
             </a:fld>
           </a:p>
@@ -4994,7 +4994,7 @@
         <p:spPr>
           <a:xfrm>
             <a:off x="0" y="4800600"/>
-            <a:ext cx="9143280" cy="342360"/>
+            <a:ext cx="9142560" cy="341640"/>
           </a:xfrm>
           <a:prstGeom prst="rect">
             <a:avLst/>
@@ -5030,7 +5030,7 @@
         <p:spPr>
           <a:xfrm>
             <a:off x="0" y="4750560"/>
-            <a:ext cx="9143280" cy="48600"/>
+            <a:ext cx="9142560" cy="47880"/>
           </a:xfrm>
           <a:prstGeom prst="rect">
             <a:avLst/>
@@ -5100,7 +5100,7 @@
         <p:spPr>
           <a:xfrm>
             <a:off x="0" y="0"/>
-            <a:ext cx="2008800" cy="5142960"/>
+            <a:ext cx="2008080" cy="5142240"/>
           </a:xfrm>
           <a:prstGeom prst="rect">
             <a:avLst/>
@@ -5136,7 +5136,7 @@
         <p:spPr>
           <a:xfrm>
             <a:off x="2009520" y="0"/>
-            <a:ext cx="47160" cy="5142960"/>
+            <a:ext cx="46440" cy="5142240"/>
           </a:xfrm>
           <a:prstGeom prst="rect">
             <a:avLst/>
@@ -5176,7 +5176,7 @@
         <p:spPr>
           <a:xfrm>
             <a:off x="2592360" y="4844880"/>
-            <a:ext cx="4493520" cy="273240"/>
+            <a:ext cx="4492800" cy="272520"/>
           </a:xfrm>
           <a:prstGeom prst="rect">
             <a:avLst/>
@@ -5212,7 +5212,7 @@
               <a:rPr b="0" lang="en-US" sz="1400" spc="-1" strike="noStrike">
                 <a:latin typeface="Times New Roman"/>
               </a:rPr>
-              <a:t> </a:t>
+              <a:t>&lt;footer&gt;</a:t>
             </a:r>
             <a:endParaRPr b="0" lang="en-US" sz="1400" spc="-1" strike="noStrike">
               <a:latin typeface="Times New Roman"/>
@@ -5233,7 +5233,7 @@
         <p:spPr>
           <a:xfrm>
             <a:off x="7262640" y="4844880"/>
-            <a:ext cx="1350720" cy="273240"/>
+            <a:ext cx="1350000" cy="272520"/>
           </a:xfrm>
           <a:prstGeom prst="rect">
             <a:avLst/>
@@ -5268,14 +5268,14 @@
               </a:lnSpc>
               <a:buNone/>
             </a:pPr>
-            <a:fld id="{C67109B7-7A2B-4F7E-BCFE-6F66D24A72EC}" type="slidenum">
+            <a:fld id="{0DC147D2-A45F-479C-97A7-EB8D56D4840C}" type="slidenum">
               <a:rPr b="0" lang="en-US" sz="790" spc="-1" strike="noStrike">
                 <a:solidFill>
                   <a:srgbClr val="455f51"/>
                 </a:solidFill>
                 <a:latin typeface="Calibri"/>
               </a:rPr>
-              <a:t>2</a:t>
+              <a:t>&lt;number&gt;</a:t>
             </a:fld>
             <a:endParaRPr b="0" lang="en-US" sz="790" spc="-1" strike="noStrike">
               <a:latin typeface="Times New Roman"/>
@@ -5296,7 +5296,7 @@
         <p:spPr>
           <a:xfrm>
             <a:off x="349200" y="4844880"/>
-            <a:ext cx="1360080" cy="273240"/>
+            <a:ext cx="1359360" cy="272520"/>
           </a:xfrm>
           <a:prstGeom prst="rect">
             <a:avLst/>
@@ -5365,7 +5365,19 @@
               <a:rPr b="0" lang="en-US" sz="4400" spc="-1" strike="noStrike">
                 <a:latin typeface="Arial"/>
               </a:rPr>
-              <a:t>Click to edit the title text format</a:t>
+              <a:t>Click to edit </a:t>
+            </a:r>
+            <a:r>
+              <a:rPr b="0" lang="en-US" sz="4400" spc="-1" strike="noStrike">
+                <a:latin typeface="Arial"/>
+              </a:rPr>
+              <a:t>the title text </a:t>
+            </a:r>
+            <a:r>
+              <a:rPr b="0" lang="en-US" sz="4400" spc="-1" strike="noStrike">
+                <a:latin typeface="Arial"/>
+              </a:rPr>
+              <a:t>format</a:t>
             </a:r>
             <a:endParaRPr b="0" lang="en-US" sz="4400" spc="-1" strike="noStrike">
               <a:latin typeface="Arial"/>
@@ -5416,19 +5428,7 @@
               <a:rPr b="0" lang="en-US" sz="3200" spc="-1" strike="noStrike">
                 <a:latin typeface="Arial"/>
               </a:rPr>
-              <a:t>Click to edit </a:t>
-            </a:r>
-            <a:r>
-              <a:rPr b="0" lang="en-US" sz="3200" spc="-1" strike="noStrike">
-                <a:latin typeface="Arial"/>
-              </a:rPr>
-              <a:t>the outline text </a:t>
-            </a:r>
-            <a:r>
-              <a:rPr b="0" lang="en-US" sz="3200" spc="-1" strike="noStrike">
-                <a:latin typeface="Arial"/>
-              </a:rPr>
-              <a:t>format</a:t>
+              <a:t>Click to edit the outline text format</a:t>
             </a:r>
             <a:endParaRPr b="0" lang="en-US" sz="3200" spc="-1" strike="noStrike">
               <a:latin typeface="Arial"/>
@@ -5450,13 +5450,7 @@
               <a:rPr b="0" lang="en-US" sz="2800" spc="-1" strike="noStrike">
                 <a:latin typeface="Arial"/>
               </a:rPr>
-              <a:t>Second </a:t>
-            </a:r>
-            <a:r>
-              <a:rPr b="0" lang="en-US" sz="2800" spc="-1" strike="noStrike">
-                <a:latin typeface="Arial"/>
-              </a:rPr>
-              <a:t>Outline Level</a:t>
+              <a:t>Second Outline Level</a:t>
             </a:r>
             <a:endParaRPr b="0" lang="en-US" sz="2800" spc="-1" strike="noStrike">
               <a:latin typeface="Arial"/>
@@ -5478,13 +5472,7 @@
               <a:rPr b="0" lang="en-US" sz="2400" spc="-1" strike="noStrike">
                 <a:latin typeface="Arial"/>
               </a:rPr>
-              <a:t>Third Outline </a:t>
-            </a:r>
-            <a:r>
-              <a:rPr b="0" lang="en-US" sz="2400" spc="-1" strike="noStrike">
-                <a:latin typeface="Arial"/>
-              </a:rPr>
-              <a:t>Level</a:t>
+              <a:t>Third Outline Level</a:t>
             </a:r>
             <a:endParaRPr b="0" lang="en-US" sz="2400" spc="-1" strike="noStrike">
               <a:latin typeface="Arial"/>
@@ -5506,19 +5494,7 @@
               <a:rPr b="0" lang="en-US" sz="2000" spc="-1" strike="noStrike">
                 <a:latin typeface="Arial"/>
               </a:rPr>
-              <a:t>Fourth </a:t>
-            </a:r>
-            <a:r>
-              <a:rPr b="0" lang="en-US" sz="2000" spc="-1" strike="noStrike">
-                <a:latin typeface="Arial"/>
-              </a:rPr>
-              <a:t>Outline </a:t>
-            </a:r>
-            <a:r>
-              <a:rPr b="0" lang="en-US" sz="2000" spc="-1" strike="noStrike">
-                <a:latin typeface="Arial"/>
-              </a:rPr>
-              <a:t>Level</a:t>
+              <a:t>Fourth Outline Level</a:t>
             </a:r>
             <a:endParaRPr b="0" lang="en-US" sz="2000" spc="-1" strike="noStrike">
               <a:latin typeface="Arial"/>
@@ -5540,19 +5516,7 @@
               <a:rPr b="0" lang="en-US" sz="2000" spc="-1" strike="noStrike">
                 <a:latin typeface="Arial"/>
               </a:rPr>
-              <a:t>Fifth </a:t>
-            </a:r>
-            <a:r>
-              <a:rPr b="0" lang="en-US" sz="2000" spc="-1" strike="noStrike">
-                <a:latin typeface="Arial"/>
-              </a:rPr>
-              <a:t>Outline </a:t>
-            </a:r>
-            <a:r>
-              <a:rPr b="0" lang="en-US" sz="2000" spc="-1" strike="noStrike">
-                <a:latin typeface="Arial"/>
-              </a:rPr>
-              <a:t>Level</a:t>
+              <a:t>Fifth Outline Level</a:t>
             </a:r>
             <a:endParaRPr b="0" lang="en-US" sz="2000" spc="-1" strike="noStrike">
               <a:latin typeface="Arial"/>
@@ -5574,25 +5538,7 @@
               <a:rPr b="0" lang="en-US" sz="2000" spc="-1" strike="noStrike">
                 <a:latin typeface="Arial"/>
               </a:rPr>
-              <a:t>Sixth </a:t>
-            </a:r>
-            <a:r>
-              <a:rPr b="0" lang="en-US" sz="2000" spc="-1" strike="noStrike">
-                <a:latin typeface="Arial"/>
-              </a:rPr>
-              <a:t>Outli</a:t>
-            </a:r>
-            <a:r>
-              <a:rPr b="0" lang="en-US" sz="2000" spc="-1" strike="noStrike">
-                <a:latin typeface="Arial"/>
-              </a:rPr>
-              <a:t>ne </a:t>
-            </a:r>
-            <a:r>
-              <a:rPr b="0" lang="en-US" sz="2000" spc="-1" strike="noStrike">
-                <a:latin typeface="Arial"/>
-              </a:rPr>
-              <a:t>Level</a:t>
+              <a:t>Sixth Outline Level</a:t>
             </a:r>
             <a:endParaRPr b="0" lang="en-US" sz="2000" spc="-1" strike="noStrike">
               <a:latin typeface="Arial"/>
@@ -5614,97 +5560,7 @@
               <a:rPr b="0" lang="en-US" sz="2000" spc="-1" strike="noStrike">
                 <a:latin typeface="Arial"/>
               </a:rPr>
-              <a:t>S</a:t>
-            </a:r>
-            <a:r>
-              <a:rPr b="0" lang="en-US" sz="2000" spc="-1" strike="noStrike">
-                <a:latin typeface="Arial"/>
-              </a:rPr>
-              <a:t>e</a:t>
-            </a:r>
-            <a:r>
-              <a:rPr b="0" lang="en-US" sz="2000" spc="-1" strike="noStrike">
-                <a:latin typeface="Arial"/>
-              </a:rPr>
-              <a:t>v</a:t>
-            </a:r>
-            <a:r>
-              <a:rPr b="0" lang="en-US" sz="2000" spc="-1" strike="noStrike">
-                <a:latin typeface="Arial"/>
-              </a:rPr>
-              <a:t>e</a:t>
-            </a:r>
-            <a:r>
-              <a:rPr b="0" lang="en-US" sz="2000" spc="-1" strike="noStrike">
-                <a:latin typeface="Arial"/>
-              </a:rPr>
-              <a:t>n</a:t>
-            </a:r>
-            <a:r>
-              <a:rPr b="0" lang="en-US" sz="2000" spc="-1" strike="noStrike">
-                <a:latin typeface="Arial"/>
-              </a:rPr>
-              <a:t>t</a:t>
-            </a:r>
-            <a:r>
-              <a:rPr b="0" lang="en-US" sz="2000" spc="-1" strike="noStrike">
-                <a:latin typeface="Arial"/>
-              </a:rPr>
-              <a:t>h </a:t>
-            </a:r>
-            <a:r>
-              <a:rPr b="0" lang="en-US" sz="2000" spc="-1" strike="noStrike">
-                <a:latin typeface="Arial"/>
-              </a:rPr>
-              <a:t>O</a:t>
-            </a:r>
-            <a:r>
-              <a:rPr b="0" lang="en-US" sz="2000" spc="-1" strike="noStrike">
-                <a:latin typeface="Arial"/>
-              </a:rPr>
-              <a:t>u</a:t>
-            </a:r>
-            <a:r>
-              <a:rPr b="0" lang="en-US" sz="2000" spc="-1" strike="noStrike">
-                <a:latin typeface="Arial"/>
-              </a:rPr>
-              <a:t>tli</a:t>
-            </a:r>
-            <a:r>
-              <a:rPr b="0" lang="en-US" sz="2000" spc="-1" strike="noStrike">
-                <a:latin typeface="Arial"/>
-              </a:rPr>
-              <a:t>n</a:t>
-            </a:r>
-            <a:r>
-              <a:rPr b="0" lang="en-US" sz="2000" spc="-1" strike="noStrike">
-                <a:latin typeface="Arial"/>
-              </a:rPr>
-              <a:t>e </a:t>
-            </a:r>
-            <a:r>
-              <a:rPr b="0" lang="en-US" sz="2000" spc="-1" strike="noStrike">
-                <a:latin typeface="Arial"/>
-              </a:rPr>
-              <a:t>L</a:t>
-            </a:r>
-            <a:r>
-              <a:rPr b="0" lang="en-US" sz="2000" spc="-1" strike="noStrike">
-                <a:latin typeface="Arial"/>
-              </a:rPr>
-              <a:t>e</a:t>
-            </a:r>
-            <a:r>
-              <a:rPr b="0" lang="en-US" sz="2000" spc="-1" strike="noStrike">
-                <a:latin typeface="Arial"/>
-              </a:rPr>
-              <a:t>v</a:t>
-            </a:r>
-            <a:r>
-              <a:rPr b="0" lang="en-US" sz="2000" spc="-1" strike="noStrike">
-                <a:latin typeface="Arial"/>
-              </a:rPr>
-              <a:t>el</a:t>
+              <a:t>Seventh Outline Level</a:t>
             </a:r>
             <a:endParaRPr b="0" lang="en-US" sz="2000" spc="-1" strike="noStrike">
               <a:latin typeface="Arial"/>
@@ -5765,7 +5621,7 @@
         <p:spPr>
           <a:xfrm>
             <a:off x="0" y="4800600"/>
-            <a:ext cx="9143280" cy="342360"/>
+            <a:ext cx="9142560" cy="341640"/>
           </a:xfrm>
           <a:prstGeom prst="rect">
             <a:avLst/>
@@ -5801,7 +5657,7 @@
         <p:spPr>
           <a:xfrm>
             <a:off x="0" y="4750560"/>
-            <a:ext cx="9143280" cy="48600"/>
+            <a:ext cx="9142560" cy="47880"/>
           </a:xfrm>
           <a:prstGeom prst="rect">
             <a:avLst/>
@@ -5871,7 +5727,7 @@
         <p:spPr>
           <a:xfrm>
             <a:off x="2520" y="4800600"/>
-            <a:ext cx="9140760" cy="342360"/>
+            <a:ext cx="9140040" cy="341640"/>
           </a:xfrm>
           <a:prstGeom prst="rect">
             <a:avLst/>
@@ -5907,7 +5763,7 @@
         <p:spPr>
           <a:xfrm>
             <a:off x="0" y="4750560"/>
-            <a:ext cx="9140760" cy="47160"/>
+            <a:ext cx="9140040" cy="46440"/>
           </a:xfrm>
           <a:prstGeom prst="rect">
             <a:avLst/>
@@ -5947,7 +5803,7 @@
         <p:spPr>
           <a:xfrm>
             <a:off x="2764800" y="4844880"/>
-            <a:ext cx="3616560" cy="273240"/>
+            <a:ext cx="3615840" cy="272520"/>
           </a:xfrm>
           <a:prstGeom prst="rect">
             <a:avLst/>
@@ -6004,7 +5860,7 @@
         <p:spPr>
           <a:xfrm>
             <a:off x="7425360" y="4844880"/>
-            <a:ext cx="983160" cy="273240"/>
+            <a:ext cx="982440" cy="272520"/>
           </a:xfrm>
           <a:prstGeom prst="rect">
             <a:avLst/>
@@ -6039,7 +5895,7 @@
               </a:lnSpc>
               <a:buNone/>
             </a:pPr>
-            <a:fld id="{E510AE5E-9A28-4F67-9B74-A8A0D3C9C28D}" type="slidenum">
+            <a:fld id="{760865CF-43C1-4914-9892-B10463D2C97C}" type="slidenum">
               <a:rPr b="0" lang="en-US" sz="790" spc="-1" strike="noStrike">
                 <a:solidFill>
                   <a:srgbClr val="ffffff"/>
@@ -6067,7 +5923,7 @@
         <p:spPr>
           <a:xfrm>
             <a:off x="822960" y="4844880"/>
-            <a:ext cx="1853640" cy="273240"/>
+            <a:ext cx="1852920" cy="272520"/>
           </a:xfrm>
           <a:prstGeom prst="rect">
             <a:avLst/>
@@ -6187,7 +6043,13 @@
               <a:rPr b="0" lang="en-US" sz="3200" spc="-1" strike="noStrike">
                 <a:latin typeface="Arial"/>
               </a:rPr>
-              <a:t>Click to edit the outline text format</a:t>
+              <a:t>Click to edit the outline </a:t>
+            </a:r>
+            <a:r>
+              <a:rPr b="0" lang="en-US" sz="3200" spc="-1" strike="noStrike">
+                <a:latin typeface="Arial"/>
+              </a:rPr>
+              <a:t>text format</a:t>
             </a:r>
             <a:endParaRPr b="0" lang="en-US" sz="3200" spc="-1" strike="noStrike">
               <a:latin typeface="Arial"/>
@@ -6319,7 +6181,13 @@
               <a:rPr b="0" lang="en-US" sz="2000" spc="-1" strike="noStrike">
                 <a:latin typeface="Arial"/>
               </a:rPr>
-              <a:t>Seventh Outline Level</a:t>
+              <a:t>Seventh Outline </a:t>
+            </a:r>
+            <a:r>
+              <a:rPr b="0" lang="en-US" sz="2000" spc="-1" strike="noStrike">
+                <a:latin typeface="Arial"/>
+              </a:rPr>
+              <a:t>Level</a:t>
             </a:r>
             <a:endParaRPr b="0" lang="en-US" sz="2000" spc="-1" strike="noStrike">
               <a:latin typeface="Arial"/>
@@ -6376,8 +6244,8 @@
         </p:nvSpPr>
         <p:spPr>
           <a:xfrm>
-            <a:off x="3625560" y="704160"/>
-            <a:ext cx="4258800" cy="3838680"/>
+            <a:off x="3625560" y="228600"/>
+            <a:ext cx="5060880" cy="4313520"/>
           </a:xfrm>
           <a:prstGeom prst="rect">
             <a:avLst/>
@@ -6415,7 +6283,7 @@
                 </a:solidFill>
                 <a:latin typeface="Arial"/>
               </a:rPr>
-              <a:t>pcvr</a:t>
+              <a:t>Making better statistics easier with pcvr</a:t>
             </a:r>
             <a:endParaRPr b="0" lang="en-US" sz="3600" spc="-1" strike="noStrike">
               <a:latin typeface="Arial"/>
@@ -6509,9 +6377,9 @@
         <p:grpSpPr>
           <a:xfrm>
             <a:off x="501480" y="1401480"/>
-            <a:ext cx="2513160" cy="2444040"/>
+            <a:ext cx="2512440" cy="2443320"/>
             <a:chOff x="501480" y="1401480"/>
-            <a:chExt cx="2513160" cy="2444040"/>
+            <a:chExt cx="2512440" cy="2443320"/>
           </a:xfrm>
         </p:grpSpPr>
         <p:sp>
@@ -6523,7 +6391,7 @@
           <p:spPr>
             <a:xfrm>
               <a:off x="501480" y="1401480"/>
-              <a:ext cx="2513160" cy="2444040"/>
+              <a:ext cx="2512440" cy="2443320"/>
             </a:xfrm>
             <a:prstGeom prst="ellipse">
               <a:avLst/>
@@ -6566,7 +6434,7 @@
           <p:spPr>
             <a:xfrm>
               <a:off x="699120" y="1902600"/>
-              <a:ext cx="2118240" cy="1499760"/>
+              <a:ext cx="2117520" cy="1499040"/>
             </a:xfrm>
             <a:prstGeom prst="rect">
               <a:avLst/>
@@ -6615,13 +6483,13 @@
         </p:nvPicPr>
         <p:blipFill>
           <a:blip r:embed="rId1"/>
-          <a:srcRect l="2163" t="0" r="4421" b="42323"/>
+          <a:srcRect l="2163" t="0" r="4421" b="42313"/>
           <a:stretch/>
         </p:blipFill>
         <p:spPr>
           <a:xfrm>
-            <a:off x="48600" y="1375200"/>
-            <a:ext cx="7086240" cy="3164040"/>
+            <a:off x="1956600" y="1498680"/>
+            <a:ext cx="6809040" cy="3039840"/>
           </a:xfrm>
           <a:prstGeom prst="rect">
             <a:avLst/>
@@ -6634,22 +6502,28 @@
       <p:sp>
         <p:nvSpPr>
           <p:cNvPr id="103" name="PlaceHolder 4"/>
-          <p:cNvSpPr txBox="1"/>
+          <p:cNvSpPr/>
           <p:nvPr/>
         </p:nvSpPr>
         <p:spPr>
           <a:xfrm>
             <a:off x="0" y="228600"/>
-            <a:ext cx="3232440" cy="1124280"/>
-          </a:xfrm>
-          <a:prstGeom prst="rect">
-            <a:avLst/>
-          </a:prstGeom>
-          <a:noFill/>
-          <a:ln w="0">
-            <a:noFill/>
-          </a:ln>
-        </p:spPr>
+            <a:ext cx="8457840" cy="1123560"/>
+          </a:xfrm>
+          <a:prstGeom prst="rect">
+            <a:avLst/>
+          </a:prstGeom>
+          <a:noFill/>
+          <a:ln w="0">
+            <a:noFill/>
+          </a:ln>
+        </p:spPr>
+        <p:style>
+          <a:lnRef idx="0"/>
+          <a:fillRef idx="0"/>
+          <a:effectRef idx="0"/>
+          <a:fontRef idx="minor"/>
+        </p:style>
         <p:txBody>
           <a:bodyPr lIns="0" rIns="0" tIns="45000" bIns="45000" anchor="t">
             <a:normAutofit/>
@@ -6677,8 +6551,9 @@
                   <a:srgbClr val="002060"/>
                 </a:solidFill>
                 <a:latin typeface="Arial"/>
+                <a:ea typeface="DejaVu Sans"/>
               </a:rPr>
-              <a:t>Plants grow, therefore:</a:t>
+              <a:t>Models can get pretty complicated</a:t>
             </a:r>
             <a:endParaRPr b="0" lang="en-US" sz="3600" spc="-1" strike="noStrike">
               <a:latin typeface="Arial"/>
@@ -6694,13 +6569,13 @@
         </p:nvPicPr>
         <p:blipFill>
           <a:blip r:embed="rId2"/>
-          <a:srcRect l="33067" t="58150" r="35226" b="0"/>
+          <a:srcRect l="33060" t="58133" r="35218" b="0"/>
           <a:stretch/>
         </p:blipFill>
         <p:spPr>
           <a:xfrm>
-            <a:off x="7315200" y="1371600"/>
-            <a:ext cx="1828800" cy="1745640"/>
+            <a:off x="7243200" y="1371600"/>
+            <a:ext cx="1828080" cy="1744920"/>
           </a:xfrm>
           <a:prstGeom prst="rect">
             <a:avLst/>
@@ -6710,6 +6585,97 @@
           </a:ln>
         </p:spPr>
       </p:pic>
+      <p:sp>
+        <p:nvSpPr>
+          <p:cNvPr id="105" name="PlaceHolder 7"/>
+          <p:cNvSpPr/>
+          <p:nvPr/>
+        </p:nvSpPr>
+        <p:spPr>
+          <a:xfrm>
+            <a:off x="228600" y="1371600"/>
+            <a:ext cx="2971440" cy="3200040"/>
+          </a:xfrm>
+          <a:prstGeom prst="rect">
+            <a:avLst/>
+          </a:prstGeom>
+          <a:noFill/>
+          <a:ln w="0">
+            <a:noFill/>
+          </a:ln>
+        </p:spPr>
+        <p:style>
+          <a:lnRef idx="0"/>
+          <a:fillRef idx="0"/>
+          <a:effectRef idx="0"/>
+          <a:fontRef idx="minor"/>
+        </p:style>
+        <p:txBody>
+          <a:bodyPr lIns="0" rIns="0" tIns="45000" bIns="45000" anchor="t">
+            <a:normAutofit/>
+          </a:bodyPr>
+          <a:p>
+            <a:pPr marL="68400" indent="-68400">
+              <a:lnSpc>
+                <a:spcPct val="90000"/>
+              </a:lnSpc>
+              <a:spcBef>
+                <a:spcPts val="901"/>
+              </a:spcBef>
+              <a:spcAft>
+                <a:spcPts val="150"/>
+              </a:spcAft>
+              <a:buClr>
+                <a:srgbClr val="99cb38"/>
+              </a:buClr>
+              <a:buFont typeface="Calibri"/>
+              <a:buChar char=" "/>
+            </a:pPr>
+            <a:r>
+              <a:rPr b="0" lang="en-US" sz="2800" spc="-1" strike="noStrike">
+                <a:solidFill>
+                  <a:srgbClr val="002060"/>
+                </a:solidFill>
+                <a:latin typeface="Arial"/>
+                <a:ea typeface="DejaVu Sans"/>
+              </a:rPr>
+              <a:t>Writing complex models ad-hoc is hard.</a:t>
+            </a:r>
+            <a:endParaRPr b="0" lang="en-US" sz="2800" spc="-1" strike="noStrike">
+              <a:latin typeface="Arial"/>
+            </a:endParaRPr>
+          </a:p>
+        </p:txBody>
+      </p:sp>
+      <p:sp>
+        <p:nvSpPr>
+          <p:cNvPr id="106" name=""/>
+          <p:cNvSpPr/>
+          <p:nvPr/>
+        </p:nvSpPr>
+        <p:spPr>
+          <a:xfrm>
+            <a:off x="7296840" y="1316880"/>
+            <a:ext cx="1737360" cy="1764720"/>
+          </a:xfrm>
+          <a:prstGeom prst="rect">
+            <a:avLst/>
+          </a:prstGeom>
+          <a:noFill/>
+          <a:ln w="29160">
+            <a:solidFill>
+              <a:srgbClr val="3465a4"/>
+            </a:solidFill>
+            <a:round/>
+          </a:ln>
+        </p:spPr>
+        <p:style>
+          <a:lnRef idx="0"/>
+          <a:fillRef idx="0"/>
+          <a:effectRef idx="0"/>
+          <a:fontRef idx="minor"/>
+        </p:style>
+      </p:sp>
     </p:spTree>
   </p:cSld>
   <mc:AlternateContent>
@@ -6742,23 +6708,29 @@
       </p:grpSpPr>
       <p:sp>
         <p:nvSpPr>
-          <p:cNvPr id="105" name="PlaceHolder 5"/>
-          <p:cNvSpPr txBox="1"/>
+          <p:cNvPr id="107" name="PlaceHolder 5"/>
+          <p:cNvSpPr/>
           <p:nvPr/>
         </p:nvSpPr>
         <p:spPr>
           <a:xfrm>
             <a:off x="360" y="228960"/>
-            <a:ext cx="3232440" cy="1124280"/>
-          </a:xfrm>
-          <a:prstGeom prst="rect">
-            <a:avLst/>
-          </a:prstGeom>
-          <a:noFill/>
-          <a:ln w="0">
-            <a:noFill/>
-          </a:ln>
-        </p:spPr>
+            <a:ext cx="3231720" cy="1123560"/>
+          </a:xfrm>
+          <a:prstGeom prst="rect">
+            <a:avLst/>
+          </a:prstGeom>
+          <a:noFill/>
+          <a:ln w="0">
+            <a:noFill/>
+          </a:ln>
+        </p:spPr>
+        <p:style>
+          <a:lnRef idx="0"/>
+          <a:fillRef idx="0"/>
+          <a:effectRef idx="0"/>
+          <a:fontRef idx="minor"/>
+        </p:style>
         <p:txBody>
           <a:bodyPr lIns="0" rIns="0" tIns="45000" bIns="45000" anchor="t">
             <a:normAutofit/>
@@ -6786,8 +6758,9 @@
                   <a:srgbClr val="002060"/>
                 </a:solidFill>
                 <a:latin typeface="Arial"/>
+                <a:ea typeface="DejaVu Sans"/>
               </a:rPr>
-              <a:t>Or in pcvr::</a:t>
+              <a:t>Pcvr makes this easier:</a:t>
             </a:r>
             <a:endParaRPr b="0" lang="en-US" sz="3600" spc="-1" strike="noStrike">
               <a:latin typeface="Arial"/>
@@ -6797,7 +6770,7 @@
       </p:sp>
       <p:pic>
         <p:nvPicPr>
-          <p:cNvPr id="106" name="" descr=""/>
+          <p:cNvPr id="108" name="" descr=""/>
           <p:cNvPicPr/>
           <p:nvPr/>
         </p:nvPicPr>
@@ -6808,7 +6781,7 @@
         <p:spPr>
           <a:xfrm>
             <a:off x="3164400" y="36000"/>
-            <a:ext cx="5943600" cy="1221120"/>
+            <a:ext cx="5942880" cy="1220400"/>
           </a:xfrm>
           <a:prstGeom prst="rect">
             <a:avLst/>
@@ -6820,7 +6793,7 @@
       </p:pic>
       <p:pic>
         <p:nvPicPr>
-          <p:cNvPr id="107" name="" descr=""/>
+          <p:cNvPr id="109" name="" descr=""/>
           <p:cNvPicPr/>
           <p:nvPr/>
         </p:nvPicPr>
@@ -6830,8 +6803,8 @@
         </p:blipFill>
         <p:spPr>
           <a:xfrm>
-            <a:off x="3179520" y="1371600"/>
-            <a:ext cx="5278680" cy="3299040"/>
+            <a:off x="48960" y="3200400"/>
+            <a:ext cx="1322640" cy="1527480"/>
           </a:xfrm>
           <a:prstGeom prst="rect">
             <a:avLst/>
@@ -6841,9 +6814,71 @@
           </a:ln>
         </p:spPr>
       </p:pic>
+      <p:sp>
+        <p:nvSpPr>
+          <p:cNvPr id="110" name="PlaceHolder 6"/>
+          <p:cNvSpPr/>
+          <p:nvPr/>
+        </p:nvSpPr>
+        <p:spPr>
+          <a:xfrm>
+            <a:off x="360" y="1596960"/>
+            <a:ext cx="3179160" cy="1123560"/>
+          </a:xfrm>
+          <a:prstGeom prst="rect">
+            <a:avLst/>
+          </a:prstGeom>
+          <a:noFill/>
+          <a:ln w="0">
+            <a:noFill/>
+          </a:ln>
+        </p:spPr>
+        <p:style>
+          <a:lnRef idx="0"/>
+          <a:fillRef idx="0"/>
+          <a:effectRef idx="0"/>
+          <a:fontRef idx="minor"/>
+        </p:style>
+        <p:txBody>
+          <a:bodyPr lIns="0" rIns="0" tIns="45000" bIns="45000" anchor="t">
+            <a:normAutofit/>
+          </a:bodyPr>
+          <a:p>
+            <a:pPr marL="68400" indent="-68400" algn="ctr">
+              <a:lnSpc>
+                <a:spcPct val="90000"/>
+              </a:lnSpc>
+              <a:spcBef>
+                <a:spcPts val="901"/>
+              </a:spcBef>
+              <a:spcAft>
+                <a:spcPts val="150"/>
+              </a:spcAft>
+              <a:buClr>
+                <a:srgbClr val="99cb38"/>
+              </a:buClr>
+              <a:buFont typeface="Calibri"/>
+              <a:buChar char=" "/>
+            </a:pPr>
+            <a:r>
+              <a:rPr b="0" lang="en-US" sz="2600" spc="-1" strike="noStrike">
+                <a:solidFill>
+                  <a:srgbClr val="002060"/>
+                </a:solidFill>
+                <a:latin typeface="Arial"/>
+                <a:ea typeface="DejaVu Sans"/>
+              </a:rPr>
+              <a:t>logistic+linear+linear</a:t>
+            </a:r>
+            <a:endParaRPr b="0" lang="en-US" sz="2600" spc="-1" strike="noStrike">
+              <a:latin typeface="Arial"/>
+            </a:endParaRPr>
+          </a:p>
+        </p:txBody>
+      </p:sp>
       <p:pic>
         <p:nvPicPr>
-          <p:cNvPr id="108" name="" descr=""/>
+          <p:cNvPr id="111" name="" descr=""/>
           <p:cNvPicPr/>
           <p:nvPr/>
         </p:nvPicPr>
@@ -6853,8 +6888,8 @@
         </p:blipFill>
         <p:spPr>
           <a:xfrm>
-            <a:off x="505440" y="1443600"/>
-            <a:ext cx="1323360" cy="1528200"/>
+            <a:off x="3285000" y="1479600"/>
+            <a:ext cx="5726520" cy="3059640"/>
           </a:xfrm>
           <a:prstGeom prst="rect">
             <a:avLst/>

--- a/papers/nappn_2024/2024-NAPPN-jsumner-lightning.pptx
+++ b/papers/nappn_2024/2024-NAPPN-jsumner-lightning.pptx
@@ -295,7 +295,7 @@
             <a:pPr algn="r">
               <a:buNone/>
             </a:pPr>
-            <a:fld id="{9080E463-979A-4048-8A49-A41BF39E4BDB}" type="slidenum">
+            <a:fld id="{3244CA6A-2057-4322-9670-DE7BB969FFBB}" type="slidenum">
               <a:rPr b="0" lang="en-US" sz="1400" spc="-1" strike="noStrike">
                 <a:latin typeface="Times New Roman"/>
               </a:rPr>
@@ -343,7 +343,7 @@
         <p:spPr>
           <a:xfrm>
             <a:off x="717480" y="1162080"/>
-            <a:ext cx="5573880" cy="3135600"/>
+            <a:ext cx="5573520" cy="3135240"/>
           </a:xfrm>
           <a:prstGeom prst="rect">
             <a:avLst/>
@@ -366,7 +366,7 @@
         <p:spPr>
           <a:xfrm>
             <a:off x="700920" y="4473720"/>
-            <a:ext cx="5607000" cy="3659040"/>
+            <a:ext cx="5606640" cy="3658680"/>
           </a:xfrm>
           <a:prstGeom prst="rect">
             <a:avLst/>
@@ -400,7 +400,7 @@
         <p:spPr>
           <a:xfrm>
             <a:off x="3970800" y="8830080"/>
-            <a:ext cx="3036240" cy="465120"/>
+            <a:ext cx="3035880" cy="464760"/>
           </a:xfrm>
           <a:prstGeom prst="rect">
             <a:avLst/>
@@ -432,7 +432,7 @@
               </a:lnSpc>
               <a:buNone/>
             </a:pPr>
-            <a:fld id="{0C839443-09E2-4896-8DD0-86FA30E655BC}" type="slidenum">
+            <a:fld id="{A980E5A5-3BED-4B4A-B161-D65CD1FBF422}" type="slidenum">
               <a:rPr b="0" lang="en-US" sz="1200" spc="-1" strike="noStrike">
                 <a:latin typeface="Times New Roman"/>
               </a:rPr>
@@ -500,7 +500,7 @@
         <p:txBody>
           <a:bodyPr/>
           <a:p>
-            <a:fld id="{E8F2A6D1-9093-469F-9A3B-9478ABD9E754}" type="slidenum">
+            <a:fld id="{AC7AF47A-0C57-4ED3-BB41-A68EB0D752FB}" type="slidenum">
               <a:t>&lt;#&gt;</a:t>
             </a:fld>
           </a:p>
@@ -688,7 +688,7 @@
         <p:txBody>
           <a:bodyPr/>
           <a:p>
-            <a:fld id="{71D805BA-3604-4EDB-AA09-8F66A9263E8C}" type="slidenum">
+            <a:fld id="{2F3B5F97-A0FF-4B5B-BB34-09AEB3D99D20}" type="slidenum">
               <a:t>&lt;#&gt;</a:t>
             </a:fld>
           </a:p>
@@ -944,7 +944,7 @@
         <p:txBody>
           <a:bodyPr/>
           <a:p>
-            <a:fld id="{57E9CDF1-6B03-4809-AE57-0713FD147100}" type="slidenum">
+            <a:fld id="{5DD829E6-A97E-4402-BCBB-3E6B2921C677}" type="slidenum">
               <a:t>&lt;#&gt;</a:t>
             </a:fld>
           </a:p>
@@ -1268,7 +1268,7 @@
         <p:txBody>
           <a:bodyPr/>
           <a:p>
-            <a:fld id="{4F86488B-94F7-46F7-8EBD-CBA6CBA7F2E5}" type="slidenum">
+            <a:fld id="{8E533A22-0C22-49C9-9827-F04884CCCAD2}" type="slidenum">
               <a:t>&lt;#&gt;</a:t>
             </a:fld>
           </a:p>
@@ -1351,7 +1351,7 @@
         <p:txBody>
           <a:bodyPr/>
           <a:p>
-            <a:fld id="{3B2ED96D-8C74-49B6-8005-085204EBE968}" type="slidenum">
+            <a:fld id="{C7674DA8-B874-4ED5-99C1-6C32AEFB13F1}" type="slidenum">
               <a:t>&lt;#&gt;</a:t>
             </a:fld>
           </a:p>
@@ -1508,7 +1508,7 @@
         <p:txBody>
           <a:bodyPr/>
           <a:p>
-            <a:fld id="{87676E42-5CBA-412C-AC3D-EE1CBA414FCB}" type="slidenum">
+            <a:fld id="{EF686D87-F4EE-4B0C-890F-6135E662E32A}" type="slidenum">
               <a:t>&lt;#&gt;</a:t>
             </a:fld>
           </a:p>
@@ -1662,7 +1662,7 @@
         <p:txBody>
           <a:bodyPr/>
           <a:p>
-            <a:fld id="{5077A6CA-80DA-4C71-B373-B669F2E0E39B}" type="slidenum">
+            <a:fld id="{D8CC80CC-938D-4316-B032-90F1F35D570A}" type="slidenum">
               <a:t>&lt;#&gt;</a:t>
             </a:fld>
           </a:p>
@@ -1850,7 +1850,7 @@
         <p:txBody>
           <a:bodyPr/>
           <a:p>
-            <a:fld id="{67830EB0-28B8-437B-A4E9-E72D787A61E7}" type="slidenum">
+            <a:fld id="{736838D4-228A-4EE4-A526-E38B5095146F}" type="slidenum">
               <a:t>&lt;#&gt;</a:t>
             </a:fld>
           </a:p>
@@ -1970,7 +1970,7 @@
         <p:txBody>
           <a:bodyPr/>
           <a:p>
-            <a:fld id="{A07E054C-85A3-4E5E-AF3D-25B13AD09E2A}" type="slidenum">
+            <a:fld id="{763CFE93-C40D-4262-92CC-FC96649527AB}" type="slidenum">
               <a:t>&lt;#&gt;</a:t>
             </a:fld>
           </a:p>
@@ -2090,7 +2090,7 @@
         <p:txBody>
           <a:bodyPr/>
           <a:p>
-            <a:fld id="{C2EBE29F-D70B-46A8-952D-11DFB8B8E19A}" type="slidenum">
+            <a:fld id="{AFB8BCEF-75CF-4E4E-AAE8-94099A9B8068}" type="slidenum">
               <a:t>&lt;#&gt;</a:t>
             </a:fld>
           </a:p>
@@ -2312,7 +2312,7 @@
         <p:txBody>
           <a:bodyPr/>
           <a:p>
-            <a:fld id="{62CA395B-0252-4772-B19F-5413EE536336}" type="slidenum">
+            <a:fld id="{268E4FF1-0072-48CC-B0D2-50A56AC9FA90}" type="slidenum">
               <a:t>&lt;#&gt;</a:t>
             </a:fld>
           </a:p>
@@ -2469,7 +2469,7 @@
         <p:txBody>
           <a:bodyPr/>
           <a:p>
-            <a:fld id="{69C04ABB-8D41-438F-9F3F-10C07F443ADF}" type="slidenum">
+            <a:fld id="{FF993583-7DE1-4C16-9E85-864812185941}" type="slidenum">
               <a:t>&lt;#&gt;</a:t>
             </a:fld>
           </a:p>
@@ -2691,7 +2691,7 @@
         <p:txBody>
           <a:bodyPr/>
           <a:p>
-            <a:fld id="{7E9F38D4-F291-4337-A5B8-F701DE928813}" type="slidenum">
+            <a:fld id="{7F1AAF08-75AE-49DD-8563-079B41357EAE}" type="slidenum">
               <a:t>&lt;#&gt;</a:t>
             </a:fld>
           </a:p>
@@ -2913,7 +2913,7 @@
         <p:txBody>
           <a:bodyPr/>
           <a:p>
-            <a:fld id="{3BCBBF2E-4722-498A-AEC7-9E8CD8D55D09}" type="slidenum">
+            <a:fld id="{CB0CFD67-58C7-45C2-8EB0-768861A8969F}" type="slidenum">
               <a:t>&lt;#&gt;</a:t>
             </a:fld>
           </a:p>
@@ -3101,7 +3101,7 @@
         <p:txBody>
           <a:bodyPr/>
           <a:p>
-            <a:fld id="{96D62025-0F04-41F7-AC8D-12125CFBD2C4}" type="slidenum">
+            <a:fld id="{5EC7AB8F-6C16-4973-951C-6CDF3BFC4C28}" type="slidenum">
               <a:t>&lt;#&gt;</a:t>
             </a:fld>
           </a:p>
@@ -3357,7 +3357,7 @@
         <p:txBody>
           <a:bodyPr/>
           <a:p>
-            <a:fld id="{3BAD33B5-6675-4C14-A5E4-139C54F15F63}" type="slidenum">
+            <a:fld id="{90AB514D-50EA-4E9A-BDE4-6EDE12D15AFA}" type="slidenum">
               <a:t>&lt;#&gt;</a:t>
             </a:fld>
           </a:p>
@@ -3681,7 +3681,7 @@
         <p:txBody>
           <a:bodyPr/>
           <a:p>
-            <a:fld id="{BA113D43-D4E9-4119-A6DB-9E76B1E203C4}" type="slidenum">
+            <a:fld id="{083A6C7C-B228-457C-9ABF-9790CAE18898}" type="slidenum">
               <a:t>&lt;#&gt;</a:t>
             </a:fld>
           </a:p>
@@ -3835,7 +3835,7 @@
         <p:txBody>
           <a:bodyPr/>
           <a:p>
-            <a:fld id="{BBC3895F-5DA9-4DBC-9200-27C764F1B012}" type="slidenum">
+            <a:fld id="{AD79A036-A818-4543-B585-FBD2EE747121}" type="slidenum">
               <a:t>&lt;#&gt;</a:t>
             </a:fld>
           </a:p>
@@ -4023,7 +4023,7 @@
         <p:txBody>
           <a:bodyPr/>
           <a:p>
-            <a:fld id="{B1B33E61-9CD0-44B5-BE6D-2EEE5BBF90C7}" type="slidenum">
+            <a:fld id="{70950F2C-CC84-4A91-A7B6-45EEFB33BD90}" type="slidenum">
               <a:t>&lt;#&gt;</a:t>
             </a:fld>
           </a:p>
@@ -4143,7 +4143,7 @@
         <p:txBody>
           <a:bodyPr/>
           <a:p>
-            <a:fld id="{02D7699B-9FC8-44D5-9E2A-B05DCE9E529F}" type="slidenum">
+            <a:fld id="{203FBF5A-63ED-4E35-9E16-A926144BFB6A}" type="slidenum">
               <a:t>&lt;#&gt;</a:t>
             </a:fld>
           </a:p>
@@ -4263,7 +4263,7 @@
         <p:txBody>
           <a:bodyPr/>
           <a:p>
-            <a:fld id="{D791D75B-9F29-452F-A4C7-5AD25A1ECDA7}" type="slidenum">
+            <a:fld id="{5C99B2F0-5C65-46A7-AA66-58669481E4C4}" type="slidenum">
               <a:t>&lt;#&gt;</a:t>
             </a:fld>
           </a:p>
@@ -4485,7 +4485,7 @@
         <p:txBody>
           <a:bodyPr/>
           <a:p>
-            <a:fld id="{8AFA2C32-0600-41AF-A177-735E4741F194}" type="slidenum">
+            <a:fld id="{537D8AE1-4800-4C4A-A921-448097A0D29B}" type="slidenum">
               <a:t>&lt;#&gt;</a:t>
             </a:fld>
           </a:p>
@@ -4707,7 +4707,7 @@
         <p:txBody>
           <a:bodyPr/>
           <a:p>
-            <a:fld id="{644CBA5F-5C27-4ADD-B403-9D4483B7A49F}" type="slidenum">
+            <a:fld id="{F784CF09-406D-42B1-BEF5-00DE8B42C396}" type="slidenum">
               <a:t>&lt;#&gt;</a:t>
             </a:fld>
           </a:p>
@@ -4929,7 +4929,7 @@
         <p:txBody>
           <a:bodyPr/>
           <a:p>
-            <a:fld id="{E9584419-6D19-4794-B0E9-B75FD147D6EC}" type="slidenum">
+            <a:fld id="{A0FB91B4-239C-4863-8E4B-12BC03BE8C3A}" type="slidenum">
               <a:t>&lt;#&gt;</a:t>
             </a:fld>
           </a:p>
@@ -4994,7 +4994,7 @@
         <p:spPr>
           <a:xfrm>
             <a:off x="0" y="4800600"/>
-            <a:ext cx="9142560" cy="341640"/>
+            <a:ext cx="9142200" cy="341280"/>
           </a:xfrm>
           <a:prstGeom prst="rect">
             <a:avLst/>
@@ -5030,7 +5030,7 @@
         <p:spPr>
           <a:xfrm>
             <a:off x="0" y="4750560"/>
-            <a:ext cx="9142560" cy="47880"/>
+            <a:ext cx="9142200" cy="47520"/>
           </a:xfrm>
           <a:prstGeom prst="rect">
             <a:avLst/>
@@ -5100,7 +5100,7 @@
         <p:spPr>
           <a:xfrm>
             <a:off x="0" y="0"/>
-            <a:ext cx="2008080" cy="5142240"/>
+            <a:ext cx="2007720" cy="5141880"/>
           </a:xfrm>
           <a:prstGeom prst="rect">
             <a:avLst/>
@@ -5136,7 +5136,7 @@
         <p:spPr>
           <a:xfrm>
             <a:off x="2009520" y="0"/>
-            <a:ext cx="46440" cy="5142240"/>
+            <a:ext cx="46080" cy="5141880"/>
           </a:xfrm>
           <a:prstGeom prst="rect">
             <a:avLst/>
@@ -5176,7 +5176,7 @@
         <p:spPr>
           <a:xfrm>
             <a:off x="2592360" y="4844880"/>
-            <a:ext cx="4492800" cy="272520"/>
+            <a:ext cx="4492440" cy="272160"/>
           </a:xfrm>
           <a:prstGeom prst="rect">
             <a:avLst/>
@@ -5233,7 +5233,7 @@
         <p:spPr>
           <a:xfrm>
             <a:off x="7262640" y="4844880"/>
-            <a:ext cx="1350000" cy="272520"/>
+            <a:ext cx="1349640" cy="272160"/>
           </a:xfrm>
           <a:prstGeom prst="rect">
             <a:avLst/>
@@ -5268,7 +5268,7 @@
               </a:lnSpc>
               <a:buNone/>
             </a:pPr>
-            <a:fld id="{0DC147D2-A45F-479C-97A7-EB8D56D4840C}" type="slidenum">
+            <a:fld id="{1BC0F8C9-A5A9-43C4-BDBB-C580B913CFC3}" type="slidenum">
               <a:rPr b="0" lang="en-US" sz="790" spc="-1" strike="noStrike">
                 <a:solidFill>
                   <a:srgbClr val="455f51"/>
@@ -5296,7 +5296,7 @@
         <p:spPr>
           <a:xfrm>
             <a:off x="349200" y="4844880"/>
-            <a:ext cx="1359360" cy="272520"/>
+            <a:ext cx="1359000" cy="272160"/>
           </a:xfrm>
           <a:prstGeom prst="rect">
             <a:avLst/>
@@ -5365,19 +5365,7 @@
               <a:rPr b="0" lang="en-US" sz="4400" spc="-1" strike="noStrike">
                 <a:latin typeface="Arial"/>
               </a:rPr>
-              <a:t>Click to edit </a:t>
-            </a:r>
-            <a:r>
-              <a:rPr b="0" lang="en-US" sz="4400" spc="-1" strike="noStrike">
-                <a:latin typeface="Arial"/>
-              </a:rPr>
-              <a:t>the title text </a:t>
-            </a:r>
-            <a:r>
-              <a:rPr b="0" lang="en-US" sz="4400" spc="-1" strike="noStrike">
-                <a:latin typeface="Arial"/>
-              </a:rPr>
-              <a:t>format</a:t>
+              <a:t>Click to edit the title text format</a:t>
             </a:r>
             <a:endParaRPr b="0" lang="en-US" sz="4400" spc="-1" strike="noStrike">
               <a:latin typeface="Arial"/>
@@ -5428,7 +5416,13 @@
               <a:rPr b="0" lang="en-US" sz="3200" spc="-1" strike="noStrike">
                 <a:latin typeface="Arial"/>
               </a:rPr>
-              <a:t>Click to edit the outline text format</a:t>
+              <a:t>Click to edit the outline </a:t>
+            </a:r>
+            <a:r>
+              <a:rPr b="0" lang="en-US" sz="3200" spc="-1" strike="noStrike">
+                <a:latin typeface="Arial"/>
+              </a:rPr>
+              <a:t>text format</a:t>
             </a:r>
             <a:endParaRPr b="0" lang="en-US" sz="3200" spc="-1" strike="noStrike">
               <a:latin typeface="Arial"/>
@@ -5560,7 +5554,13 @@
               <a:rPr b="0" lang="en-US" sz="2000" spc="-1" strike="noStrike">
                 <a:latin typeface="Arial"/>
               </a:rPr>
-              <a:t>Seventh Outline Level</a:t>
+              <a:t>Seventh Outline </a:t>
+            </a:r>
+            <a:r>
+              <a:rPr b="0" lang="en-US" sz="2000" spc="-1" strike="noStrike">
+                <a:latin typeface="Arial"/>
+              </a:rPr>
+              <a:t>Level</a:t>
             </a:r>
             <a:endParaRPr b="0" lang="en-US" sz="2000" spc="-1" strike="noStrike">
               <a:latin typeface="Arial"/>
@@ -5621,7 +5621,7 @@
         <p:spPr>
           <a:xfrm>
             <a:off x="0" y="4800600"/>
-            <a:ext cx="9142560" cy="341640"/>
+            <a:ext cx="9142200" cy="341280"/>
           </a:xfrm>
           <a:prstGeom prst="rect">
             <a:avLst/>
@@ -5657,7 +5657,7 @@
         <p:spPr>
           <a:xfrm>
             <a:off x="0" y="4750560"/>
-            <a:ext cx="9142560" cy="47880"/>
+            <a:ext cx="9142200" cy="47520"/>
           </a:xfrm>
           <a:prstGeom prst="rect">
             <a:avLst/>
@@ -5727,7 +5727,7 @@
         <p:spPr>
           <a:xfrm>
             <a:off x="2520" y="4800600"/>
-            <a:ext cx="9140040" cy="341640"/>
+            <a:ext cx="9139680" cy="341280"/>
           </a:xfrm>
           <a:prstGeom prst="rect">
             <a:avLst/>
@@ -5763,7 +5763,7 @@
         <p:spPr>
           <a:xfrm>
             <a:off x="0" y="4750560"/>
-            <a:ext cx="9140040" cy="46440"/>
+            <a:ext cx="9139680" cy="46080"/>
           </a:xfrm>
           <a:prstGeom prst="rect">
             <a:avLst/>
@@ -5803,7 +5803,7 @@
         <p:spPr>
           <a:xfrm>
             <a:off x="2764800" y="4844880"/>
-            <a:ext cx="3615840" cy="272520"/>
+            <a:ext cx="3615480" cy="272160"/>
           </a:xfrm>
           <a:prstGeom prst="rect">
             <a:avLst/>
@@ -5860,7 +5860,7 @@
         <p:spPr>
           <a:xfrm>
             <a:off x="7425360" y="4844880"/>
-            <a:ext cx="982440" cy="272520"/>
+            <a:ext cx="982080" cy="272160"/>
           </a:xfrm>
           <a:prstGeom prst="rect">
             <a:avLst/>
@@ -5895,7 +5895,7 @@
               </a:lnSpc>
               <a:buNone/>
             </a:pPr>
-            <a:fld id="{760865CF-43C1-4914-9892-B10463D2C97C}" type="slidenum">
+            <a:fld id="{E467E9A7-5857-485E-9E33-4A9FDC0B9A23}" type="slidenum">
               <a:rPr b="0" lang="en-US" sz="790" spc="-1" strike="noStrike">
                 <a:solidFill>
                   <a:srgbClr val="ffffff"/>
@@ -5923,7 +5923,7 @@
         <p:spPr>
           <a:xfrm>
             <a:off x="822960" y="4844880"/>
-            <a:ext cx="1852920" cy="272520"/>
+            <a:ext cx="1852560" cy="272160"/>
           </a:xfrm>
           <a:prstGeom prst="rect">
             <a:avLst/>
@@ -6043,13 +6043,7 @@
               <a:rPr b="0" lang="en-US" sz="3200" spc="-1" strike="noStrike">
                 <a:latin typeface="Arial"/>
               </a:rPr>
-              <a:t>Click to edit the outline </a:t>
-            </a:r>
-            <a:r>
-              <a:rPr b="0" lang="en-US" sz="3200" spc="-1" strike="noStrike">
-                <a:latin typeface="Arial"/>
-              </a:rPr>
-              <a:t>text format</a:t>
+              <a:t>Click to edit the outline text format</a:t>
             </a:r>
             <a:endParaRPr b="0" lang="en-US" sz="3200" spc="-1" strike="noStrike">
               <a:latin typeface="Arial"/>
@@ -6181,13 +6175,7 @@
               <a:rPr b="0" lang="en-US" sz="2000" spc="-1" strike="noStrike">
                 <a:latin typeface="Arial"/>
               </a:rPr>
-              <a:t>Seventh Outline </a:t>
-            </a:r>
-            <a:r>
-              <a:rPr b="0" lang="en-US" sz="2000" spc="-1" strike="noStrike">
-                <a:latin typeface="Arial"/>
-              </a:rPr>
-              <a:t>Level</a:t>
+              <a:t>Seventh Outline Level</a:t>
             </a:r>
             <a:endParaRPr b="0" lang="en-US" sz="2000" spc="-1" strike="noStrike">
               <a:latin typeface="Arial"/>
@@ -6245,7 +6233,7 @@
         <p:spPr>
           <a:xfrm>
             <a:off x="3625560" y="228600"/>
-            <a:ext cx="5060880" cy="4313520"/>
+            <a:ext cx="5060520" cy="4313160"/>
           </a:xfrm>
           <a:prstGeom prst="rect">
             <a:avLst/>
@@ -6283,7 +6271,16 @@
                 </a:solidFill>
                 <a:latin typeface="Arial"/>
               </a:rPr>
-              <a:t>Making better statistics easier with pcvr</a:t>
+              <a:t>Making better statistics </a:t>
+            </a:r>
+            <a:r>
+              <a:rPr b="0" lang="en-US" sz="3600" spc="-1" strike="noStrike">
+                <a:solidFill>
+                  <a:srgbClr val="002060"/>
+                </a:solidFill>
+                <a:latin typeface="Arial"/>
+              </a:rPr>
+              <a:t>easier with pcvr</a:t>
             </a:r>
             <a:endParaRPr b="0" lang="en-US" sz="3600" spc="-1" strike="noStrike">
               <a:latin typeface="Arial"/>
@@ -6377,9 +6374,9 @@
         <p:grpSpPr>
           <a:xfrm>
             <a:off x="501480" y="1401480"/>
-            <a:ext cx="2512440" cy="2443320"/>
+            <a:ext cx="2512080" cy="2442960"/>
             <a:chOff x="501480" y="1401480"/>
-            <a:chExt cx="2512440" cy="2443320"/>
+            <a:chExt cx="2512080" cy="2442960"/>
           </a:xfrm>
         </p:grpSpPr>
         <p:sp>
@@ -6391,7 +6388,7 @@
           <p:spPr>
             <a:xfrm>
               <a:off x="501480" y="1401480"/>
-              <a:ext cx="2512440" cy="2443320"/>
+              <a:ext cx="2512080" cy="2442960"/>
             </a:xfrm>
             <a:prstGeom prst="ellipse">
               <a:avLst/>
@@ -6434,7 +6431,7 @@
           <p:spPr>
             <a:xfrm>
               <a:off x="699120" y="1902600"/>
-              <a:ext cx="2117520" cy="1499040"/>
+              <a:ext cx="2117160" cy="1498680"/>
             </a:xfrm>
             <a:prstGeom prst="rect">
               <a:avLst/>
@@ -6483,13 +6480,13 @@
         </p:nvPicPr>
         <p:blipFill>
           <a:blip r:embed="rId1"/>
-          <a:srcRect l="2163" t="0" r="4421" b="42313"/>
+          <a:srcRect l="2163" t="0" r="4421" b="42307"/>
           <a:stretch/>
         </p:blipFill>
         <p:spPr>
           <a:xfrm>
             <a:off x="1956600" y="1498680"/>
-            <a:ext cx="6809040" cy="3039840"/>
+            <a:ext cx="6808680" cy="3039480"/>
           </a:xfrm>
           <a:prstGeom prst="rect">
             <a:avLst/>
@@ -6508,7 +6505,7 @@
         <p:spPr>
           <a:xfrm>
             <a:off x="0" y="228600"/>
-            <a:ext cx="8457840" cy="1123560"/>
+            <a:ext cx="8457480" cy="1123200"/>
           </a:xfrm>
           <a:prstGeom prst="rect">
             <a:avLst/>
@@ -6569,13 +6566,13 @@
         </p:nvPicPr>
         <p:blipFill>
           <a:blip r:embed="rId2"/>
-          <a:srcRect l="33060" t="58133" r="35218" b="0"/>
+          <a:srcRect l="33056" t="58125" r="35214" b="0"/>
           <a:stretch/>
         </p:blipFill>
         <p:spPr>
           <a:xfrm>
             <a:off x="7243200" y="1371600"/>
-            <a:ext cx="1828080" cy="1744920"/>
+            <a:ext cx="1827720" cy="1744560"/>
           </a:xfrm>
           <a:prstGeom prst="rect">
             <a:avLst/>
@@ -6594,7 +6591,7 @@
         <p:spPr>
           <a:xfrm>
             <a:off x="228600" y="1371600"/>
-            <a:ext cx="2971440" cy="3200040"/>
+            <a:ext cx="2971080" cy="3199680"/>
           </a:xfrm>
           <a:prstGeom prst="rect">
             <a:avLst/>
@@ -6656,7 +6653,7 @@
         <p:spPr>
           <a:xfrm>
             <a:off x="7296840" y="1316880"/>
-            <a:ext cx="1737360" cy="1764720"/>
+            <a:ext cx="1737000" cy="1764360"/>
           </a:xfrm>
           <a:prstGeom prst="rect">
             <a:avLst/>
@@ -6715,7 +6712,7 @@
         <p:spPr>
           <a:xfrm>
             <a:off x="360" y="228960"/>
-            <a:ext cx="3231720" cy="1123560"/>
+            <a:ext cx="3231360" cy="1123200"/>
           </a:xfrm>
           <a:prstGeom prst="rect">
             <a:avLst/>
@@ -6760,7 +6757,7 @@
                 <a:latin typeface="Arial"/>
                 <a:ea typeface="DejaVu Sans"/>
               </a:rPr>
-              <a:t>Pcvr makes this easier:</a:t>
+              <a:t>pcvr makes this easier:</a:t>
             </a:r>
             <a:endParaRPr b="0" lang="en-US" sz="3600" spc="-1" strike="noStrike">
               <a:latin typeface="Arial"/>
@@ -6780,8 +6777,8 @@
         </p:blipFill>
         <p:spPr>
           <a:xfrm>
-            <a:off x="3164400" y="36000"/>
-            <a:ext cx="5942880" cy="1220400"/>
+            <a:off x="48960" y="3200400"/>
+            <a:ext cx="1322280" cy="1527120"/>
           </a:xfrm>
           <a:prstGeom prst="rect">
             <a:avLst/>
@@ -6791,39 +6788,16 @@
           </a:ln>
         </p:spPr>
       </p:pic>
-      <p:pic>
-        <p:nvPicPr>
-          <p:cNvPr id="109" name="" descr=""/>
-          <p:cNvPicPr/>
-          <p:nvPr/>
-        </p:nvPicPr>
-        <p:blipFill>
-          <a:blip r:embed="rId2"/>
-          <a:stretch/>
-        </p:blipFill>
-        <p:spPr>
-          <a:xfrm>
-            <a:off x="48960" y="3200400"/>
-            <a:ext cx="1322640" cy="1527480"/>
-          </a:xfrm>
-          <a:prstGeom prst="rect">
-            <a:avLst/>
-          </a:prstGeom>
-          <a:ln w="0">
-            <a:noFill/>
-          </a:ln>
-        </p:spPr>
-      </p:pic>
-      <p:sp>
-        <p:nvSpPr>
-          <p:cNvPr id="110" name="PlaceHolder 6"/>
+      <p:sp>
+        <p:nvSpPr>
+          <p:cNvPr id="109" name="PlaceHolder 6"/>
           <p:cNvSpPr/>
           <p:nvPr/>
         </p:nvSpPr>
         <p:spPr>
           <a:xfrm>
             <a:off x="360" y="1596960"/>
-            <a:ext cx="3179160" cy="1123560"/>
+            <a:ext cx="3178800" cy="1123200"/>
           </a:xfrm>
           <a:prstGeom prst="rect">
             <a:avLst/>
@@ -6878,6 +6852,30 @@
       </p:sp>
       <p:pic>
         <p:nvPicPr>
+          <p:cNvPr id="110" name="" descr=""/>
+          <p:cNvPicPr/>
+          <p:nvPr/>
+        </p:nvPicPr>
+        <p:blipFill>
+          <a:blip r:embed="rId2"/>
+          <a:srcRect l="0" t="0" r="0" b="3143"/>
+          <a:stretch/>
+        </p:blipFill>
+        <p:spPr>
+          <a:xfrm>
+            <a:off x="2942280" y="0"/>
+            <a:ext cx="6172200" cy="1408320"/>
+          </a:xfrm>
+          <a:prstGeom prst="rect">
+            <a:avLst/>
+          </a:prstGeom>
+          <a:ln w="0">
+            <a:noFill/>
+          </a:ln>
+        </p:spPr>
+      </p:pic>
+      <p:pic>
+        <p:nvPicPr>
           <p:cNvPr id="111" name="" descr=""/>
           <p:cNvPicPr/>
           <p:nvPr/>
@@ -6888,8 +6886,8 @@
         </p:blipFill>
         <p:spPr>
           <a:xfrm>
-            <a:off x="3285000" y="1479600"/>
-            <a:ext cx="5726520" cy="3059640"/>
+            <a:off x="3324960" y="1600200"/>
+            <a:ext cx="5726160" cy="2971800"/>
           </a:xfrm>
           <a:prstGeom prst="rect">
             <a:avLst/>
